--- a/searchProcess.pptx
+++ b/searchProcess.pptx
@@ -2987,7 +2987,7 @@
         </p:nvGrpSpPr>
         <p:grpSpPr>
           <a:xfrm>
-            <a:off x="78716" y="11919"/>
+            <a:off x="78716" y="-35261"/>
             <a:ext cx="7098188" cy="3541041"/>
             <a:chOff x="78716" y="11919"/>
             <a:chExt cx="7098188" cy="3541041"/>
